--- a/Idea/PowerPoint/WeFood - Idea.pptx
+++ b/Idea/PowerPoint/WeFood - Idea.pptx
@@ -13,9 +13,9 @@
     <p:sldId id="263" r:id="rId4"/>
     <p:sldId id="258" r:id="rId5"/>
     <p:sldId id="259" r:id="rId6"/>
-    <p:sldId id="260" r:id="rId7"/>
+    <p:sldId id="265" r:id="rId7"/>
     <p:sldId id="261" r:id="rId8"/>
-    <p:sldId id="262" r:id="rId9"/>
+    <p:sldId id="266" r:id="rId9"/>
     <p:sldId id="264" r:id="rId10"/>
   </p:sldIdLst>
   <p:sldSz cx="9144000" cy="6858000" type="screen4x3"/>
@@ -494,7 +494,7 @@
           <a:p>
             <a:fld id="{0EF95162-6873-F647-B392-BF6A1F606277}" type="datetimeFigureOut">
               <a:rPr lang="it-IT" smtClean="0"/>
-              <a:t>01/12/2023</a:t>
+              <a:t>04/12/2023</a:t>
             </a:fld>
             <a:endParaRPr lang="it-IT"/>
           </a:p>
@@ -948,7 +948,7 @@
           <a:p>
             <a:fld id="{2FDCBEE4-315A-8E42-835E-29A1DAE07625}" type="datetimeFigureOut">
               <a:rPr lang="it-IT" smtClean="0"/>
-              <a:t>01/12/2023</a:t>
+              <a:t>04/12/2023</a:t>
             </a:fld>
             <a:endParaRPr lang="it-IT"/>
           </a:p>
@@ -1140,7 +1140,7 @@
           <a:p>
             <a:fld id="{2FDCBEE4-315A-8E42-835E-29A1DAE07625}" type="datetimeFigureOut">
               <a:rPr lang="it-IT" smtClean="0"/>
-              <a:t>01/12/2023</a:t>
+              <a:t>04/12/2023</a:t>
             </a:fld>
             <a:endParaRPr lang="it-IT"/>
           </a:p>
@@ -1342,7 +1342,7 @@
           <a:p>
             <a:fld id="{2FDCBEE4-315A-8E42-835E-29A1DAE07625}" type="datetimeFigureOut">
               <a:rPr lang="it-IT" smtClean="0"/>
-              <a:t>01/12/2023</a:t>
+              <a:t>04/12/2023</a:t>
             </a:fld>
             <a:endParaRPr lang="it-IT"/>
           </a:p>
@@ -1534,7 +1534,7 @@
           <a:p>
             <a:fld id="{2FDCBEE4-315A-8E42-835E-29A1DAE07625}" type="datetimeFigureOut">
               <a:rPr lang="it-IT" smtClean="0"/>
-              <a:t>01/12/2023</a:t>
+              <a:t>04/12/2023</a:t>
             </a:fld>
             <a:endParaRPr lang="it-IT"/>
           </a:p>
@@ -1803,7 +1803,7 @@
           <a:p>
             <a:fld id="{2FDCBEE4-315A-8E42-835E-29A1DAE07625}" type="datetimeFigureOut">
               <a:rPr lang="it-IT" smtClean="0"/>
-              <a:t>01/12/2023</a:t>
+              <a:t>04/12/2023</a:t>
             </a:fld>
             <a:endParaRPr lang="it-IT"/>
           </a:p>
@@ -2112,7 +2112,7 @@
           <a:p>
             <a:fld id="{2FDCBEE4-315A-8E42-835E-29A1DAE07625}" type="datetimeFigureOut">
               <a:rPr lang="it-IT" smtClean="0"/>
-              <a:t>01/12/2023</a:t>
+              <a:t>04/12/2023</a:t>
             </a:fld>
             <a:endParaRPr lang="it-IT"/>
           </a:p>
@@ -2555,7 +2555,7 @@
           <a:p>
             <a:fld id="{2FDCBEE4-315A-8E42-835E-29A1DAE07625}" type="datetimeFigureOut">
               <a:rPr lang="it-IT" smtClean="0"/>
-              <a:t>01/12/2023</a:t>
+              <a:t>04/12/2023</a:t>
             </a:fld>
             <a:endParaRPr lang="it-IT"/>
           </a:p>
@@ -2696,7 +2696,7 @@
           <a:p>
             <a:fld id="{2FDCBEE4-315A-8E42-835E-29A1DAE07625}" type="datetimeFigureOut">
               <a:rPr lang="it-IT" smtClean="0"/>
-              <a:t>01/12/2023</a:t>
+              <a:t>04/12/2023</a:t>
             </a:fld>
             <a:endParaRPr lang="it-IT"/>
           </a:p>
@@ -2815,7 +2815,7 @@
           <a:p>
             <a:fld id="{2FDCBEE4-315A-8E42-835E-29A1DAE07625}" type="datetimeFigureOut">
               <a:rPr lang="it-IT" smtClean="0"/>
-              <a:t>01/12/2023</a:t>
+              <a:t>04/12/2023</a:t>
             </a:fld>
             <a:endParaRPr lang="it-IT"/>
           </a:p>
@@ -3114,7 +3114,7 @@
           <a:p>
             <a:fld id="{2FDCBEE4-315A-8E42-835E-29A1DAE07625}" type="datetimeFigureOut">
               <a:rPr lang="it-IT" smtClean="0"/>
-              <a:t>01/12/2023</a:t>
+              <a:t>04/12/2023</a:t>
             </a:fld>
             <a:endParaRPr lang="it-IT"/>
           </a:p>
@@ -3390,7 +3390,7 @@
           <a:p>
             <a:fld id="{2FDCBEE4-315A-8E42-835E-29A1DAE07625}" type="datetimeFigureOut">
               <a:rPr lang="it-IT" smtClean="0"/>
-              <a:t>01/12/2023</a:t>
+              <a:t>04/12/2023</a:t>
             </a:fld>
             <a:endParaRPr lang="it-IT"/>
           </a:p>
@@ -4850,8 +4850,8 @@
         </p:nvSpPr>
         <p:spPr>
           <a:xfrm>
-            <a:off x="400050" y="1645794"/>
-            <a:ext cx="8343900" cy="4247317"/>
+            <a:off x="546965" y="1448538"/>
+            <a:ext cx="2075466" cy="2308324"/>
           </a:xfrm>
           <a:prstGeom prst="rect">
             <a:avLst/>
@@ -4927,47 +4927,6 @@
             <a:r>
               <a:rPr lang="en-US" i="1" dirty="0"/>
               <a:t>Star Ranking</a:t>
-            </a:r>
-          </a:p>
-          <a:p>
-            <a:pPr>
-              <a:lnSpc>
-                <a:spcPct val="200000"/>
-              </a:lnSpc>
-            </a:pPr>
-            <a:r>
-              <a:rPr lang="en-US" i="1" dirty="0"/>
-              <a:t>Requirements:</a:t>
-            </a:r>
-          </a:p>
-          <a:p>
-            <a:pPr marL="285750" indent="-285750">
-              <a:buFont typeface="Arial" panose="020B0604020202020204" pitchFamily="34" charset="0"/>
-              <a:buChar char="•"/>
-            </a:pPr>
-            <a:r>
-              <a:rPr lang="en-US" i="1" dirty="0"/>
-              <a:t>Analytics for the Admin to keep track of the social network state (i.e. most/less active users,  etc.).</a:t>
-            </a:r>
-          </a:p>
-          <a:p>
-            <a:pPr marL="285750" indent="-285750">
-              <a:buFont typeface="Arial" panose="020B0604020202020204" pitchFamily="34" charset="0"/>
-              <a:buChar char="•"/>
-            </a:pPr>
-            <a:r>
-              <a:rPr lang="en-US" i="1" dirty="0"/>
-              <a:t>Allow users to look for new recipes filtering the ingredients.</a:t>
-            </a:r>
-          </a:p>
-          <a:p>
-            <a:pPr marL="285750" indent="-285750">
-              <a:buFont typeface="Arial" panose="020B0604020202020204" pitchFamily="34" charset="0"/>
-              <a:buChar char="•"/>
-            </a:pPr>
-            <a:r>
-              <a:rPr lang="en-US" i="1" dirty="0"/>
-              <a:t>Allow users to retrieve all previous published posts and check out comments and ratings below them.</a:t>
             </a:r>
           </a:p>
           <a:p>
@@ -4979,10 +4938,165 @@
           </a:p>
         </p:txBody>
       </p:sp>
+      <p:sp>
+        <p:nvSpPr>
+          <p:cNvPr id="4" name="CasellaDiTesto 3">
+            <a:extLst>
+              <a:ext uri="{FF2B5EF4-FFF2-40B4-BE49-F238E27FC236}">
+                <a16:creationId xmlns:a16="http://schemas.microsoft.com/office/drawing/2014/main" id="{1C0BEBFB-45D7-3AAA-B720-80080CFE58D6}"/>
+              </a:ext>
+            </a:extLst>
+          </p:cNvPr>
+          <p:cNvSpPr txBox="1"/>
+          <p:nvPr/>
+        </p:nvSpPr>
+        <p:spPr>
+          <a:xfrm>
+            <a:off x="2639683" y="1226331"/>
+            <a:ext cx="5940100" cy="6001643"/>
+          </a:xfrm>
+          <a:prstGeom prst="rect">
+            <a:avLst/>
+          </a:prstGeom>
+          <a:noFill/>
+        </p:spPr>
+        <p:txBody>
+          <a:bodyPr wrap="square" rtlCol="0">
+            <a:spAutoFit/>
+          </a:bodyPr>
+          <a:lstStyle/>
+          <a:p>
+            <a:pPr algn="just">
+              <a:lnSpc>
+                <a:spcPct val="200000"/>
+              </a:lnSpc>
+            </a:pPr>
+            <a:r>
+              <a:rPr lang="en-US" i="1" dirty="0"/>
+              <a:t>Requirements:</a:t>
+            </a:r>
+          </a:p>
+          <a:p>
+            <a:pPr marL="285750" indent="-285750" algn="just">
+              <a:buFont typeface="Arial" panose="020B0604020202020204" pitchFamily="34" charset="0"/>
+              <a:buChar char="•"/>
+            </a:pPr>
+            <a:r>
+              <a:rPr lang="en-US" i="1" dirty="0"/>
+              <a:t>Analyze most/less active users on the Social Network based on how many posts they made recently (e.g. in the last 48 hours).</a:t>
+            </a:r>
+          </a:p>
+          <a:p>
+            <a:pPr algn="just"/>
+            <a:endParaRPr lang="en-US" sz="400" i="1" dirty="0"/>
+          </a:p>
+          <a:p>
+            <a:pPr marL="285750" indent="-285750" algn="just">
+              <a:buFont typeface="Arial" panose="020B0604020202020204" pitchFamily="34" charset="0"/>
+              <a:buChar char="•"/>
+            </a:pPr>
+            <a:r>
+              <a:rPr lang="en-US" i="1" dirty="0"/>
+              <a:t>Analyze best posts (recipes) based on the average star ranking, given a specific set of ingredients.</a:t>
+            </a:r>
+          </a:p>
+          <a:p>
+            <a:pPr algn="just"/>
+            <a:endParaRPr lang="en-US" sz="400" i="1" dirty="0"/>
+          </a:p>
+          <a:p>
+            <a:pPr marL="285750" indent="-285750" algn="just">
+              <a:buFont typeface="Arial" panose="020B0604020202020204" pitchFamily="34" charset="0"/>
+              <a:buChar char="•"/>
+            </a:pPr>
+            <a:r>
+              <a:rPr lang="en-US" i="1" dirty="0"/>
+              <a:t>Discover recipes with the lowest/highest calorie content while featuring the greatest variety of ingredients.</a:t>
+            </a:r>
+          </a:p>
+          <a:p>
+            <a:pPr algn="just"/>
+            <a:endParaRPr lang="en-US" sz="400" i="1" dirty="0"/>
+          </a:p>
+          <a:p>
+            <a:pPr marL="285750" indent="-285750" algn="just">
+              <a:buFont typeface="Arial" panose="020B0604020202020204" pitchFamily="34" charset="0"/>
+              <a:buChar char="•"/>
+            </a:pPr>
+            <a:r>
+              <a:rPr lang="en-US" i="1" dirty="0"/>
+              <a:t>Average amount of grams of ingredients used in equal set of ingredients.</a:t>
+            </a:r>
+          </a:p>
+          <a:p>
+            <a:pPr algn="just"/>
+            <a:endParaRPr lang="en-US" sz="400" i="1" dirty="0"/>
+          </a:p>
+          <a:p>
+            <a:pPr marL="285750" indent="-285750" algn="just">
+              <a:buFont typeface="Arial" panose="020B0604020202020204" pitchFamily="34" charset="0"/>
+              <a:buChar char="•"/>
+            </a:pPr>
+            <a:r>
+              <a:rPr lang="en-US" i="1" dirty="0"/>
+              <a:t>Allow users to look for new recipes filtering the ingredients.</a:t>
+            </a:r>
+          </a:p>
+          <a:p>
+            <a:pPr algn="just"/>
+            <a:endParaRPr lang="en-US" sz="400" i="1" dirty="0"/>
+          </a:p>
+          <a:p>
+            <a:pPr marL="285750" indent="-285750" algn="just">
+              <a:buFont typeface="Arial" panose="020B0604020202020204" pitchFamily="34" charset="0"/>
+              <a:buChar char="•"/>
+            </a:pPr>
+            <a:r>
+              <a:rPr lang="en-US" i="1" dirty="0"/>
+              <a:t>Find top users based on their number of actions (ranking or comments) on other users’ posts.</a:t>
+            </a:r>
+          </a:p>
+          <a:p>
+            <a:pPr algn="just"/>
+            <a:endParaRPr lang="en-US" sz="400" i="1" dirty="0"/>
+          </a:p>
+          <a:p>
+            <a:pPr marL="285750" indent="-285750" algn="just">
+              <a:buFont typeface="Arial" panose="020B0604020202020204" pitchFamily="34" charset="0"/>
+              <a:buChar char="•"/>
+            </a:pPr>
+            <a:r>
+              <a:rPr lang="en-US" i="1" dirty="0"/>
+              <a:t>Find users filtering with different settings defined by the admin.</a:t>
+            </a:r>
+          </a:p>
+          <a:p>
+            <a:pPr marL="285750" indent="-285750" algn="just">
+              <a:buFont typeface="Arial" panose="020B0604020202020204" pitchFamily="34" charset="0"/>
+              <a:buChar char="•"/>
+            </a:pPr>
+            <a:endParaRPr lang="en-US" i="1" dirty="0"/>
+          </a:p>
+          <a:p>
+            <a:pPr marL="285750" indent="-285750" algn="just">
+              <a:buFont typeface="Arial" panose="020B0604020202020204" pitchFamily="34" charset="0"/>
+              <a:buChar char="•"/>
+            </a:pPr>
+            <a:endParaRPr lang="en-US" i="1" dirty="0"/>
+          </a:p>
+          <a:p>
+            <a:pPr marL="285750" indent="-285750" algn="just">
+              <a:buFont typeface="Arial" panose="020B0604020202020204" pitchFamily="34" charset="0"/>
+              <a:buChar char="•"/>
+            </a:pPr>
+            <a:endParaRPr lang="en-US" i="1" dirty="0"/>
+          </a:p>
+        </p:txBody>
+      </p:sp>
     </p:spTree>
     <p:extLst>
       <p:ext uri="{BB962C8B-B14F-4D97-AF65-F5344CB8AC3E}">
-        <p14:creationId xmlns:p14="http://schemas.microsoft.com/office/powerpoint/2010/main" val="877565826"/>
+        <p14:creationId xmlns:p14="http://schemas.microsoft.com/office/powerpoint/2010/main" val="1161350578"/>
       </p:ext>
     </p:extLst>
   </p:cSld>
@@ -5043,135 +5157,6 @@
               <a:rPr lang="en-US" dirty="0"/>
               <a:t>handled by Key-Value DB</a:t>
             </a:r>
-          </a:p>
-        </p:txBody>
-      </p:sp>
-      <p:sp>
-        <p:nvSpPr>
-          <p:cNvPr id="3" name="CasellaDiTesto 2">
-            <a:extLst>
-              <a:ext uri="{FF2B5EF4-FFF2-40B4-BE49-F238E27FC236}">
-                <a16:creationId xmlns:a16="http://schemas.microsoft.com/office/drawing/2014/main" id="{62616BBE-7266-C4B4-554D-952FACBEABC6}"/>
-              </a:ext>
-            </a:extLst>
-          </p:cNvPr>
-          <p:cNvSpPr txBox="1"/>
-          <p:nvPr/>
-        </p:nvSpPr>
-        <p:spPr>
-          <a:xfrm>
-            <a:off x="391689" y="1740684"/>
-            <a:ext cx="8343900" cy="2031325"/>
-          </a:xfrm>
-          <a:prstGeom prst="rect">
-            <a:avLst/>
-          </a:prstGeom>
-          <a:noFill/>
-        </p:spPr>
-        <p:txBody>
-          <a:bodyPr wrap="square" rtlCol="0">
-            <a:spAutoFit/>
-          </a:bodyPr>
-          <a:lstStyle/>
-          <a:p>
-            <a:r>
-              <a:rPr lang="en-US" i="1" dirty="0"/>
-              <a:t>Post </a:t>
-            </a:r>
-            <a:r>
-              <a:rPr lang="en-US" i="1" dirty="0" err="1"/>
-              <a:t>degli</a:t>
-            </a:r>
-            <a:r>
-              <a:rPr lang="en-US" i="1" dirty="0"/>
-              <a:t> amici </a:t>
-            </a:r>
-            <a:r>
-              <a:rPr lang="en-US" i="1" dirty="0" err="1"/>
-              <a:t>pubblicati</a:t>
-            </a:r>
-            <a:r>
-              <a:rPr lang="en-US" i="1" dirty="0"/>
-              <a:t> </a:t>
-            </a:r>
-            <a:r>
-              <a:rPr lang="en-US" i="1" dirty="0" err="1"/>
-              <a:t>nelle</a:t>
-            </a:r>
-            <a:r>
-              <a:rPr lang="en-US" i="1" dirty="0"/>
-              <a:t> </a:t>
-            </a:r>
-            <a:r>
-              <a:rPr lang="en-US" i="1" dirty="0" err="1"/>
-              <a:t>ultime</a:t>
-            </a:r>
-            <a:r>
-              <a:rPr lang="en-US" i="1" dirty="0"/>
-              <a:t> 48 ore per </a:t>
-            </a:r>
-            <a:r>
-              <a:rPr lang="en-US" i="1" dirty="0" err="1"/>
-              <a:t>avere</a:t>
-            </a:r>
-            <a:r>
-              <a:rPr lang="en-US" i="1" dirty="0"/>
-              <a:t> un </a:t>
-            </a:r>
-            <a:r>
-              <a:rPr lang="en-US" i="1" dirty="0" err="1"/>
-              <a:t>caricamento</a:t>
-            </a:r>
-            <a:r>
-              <a:rPr lang="en-US" i="1" dirty="0"/>
-              <a:t> veloce </a:t>
-            </a:r>
-            <a:r>
-              <a:rPr lang="en-US" i="1" dirty="0" err="1"/>
-              <a:t>dei</a:t>
-            </a:r>
-            <a:r>
-              <a:rPr lang="en-US" i="1" dirty="0"/>
-              <a:t> post </a:t>
-            </a:r>
-            <a:r>
-              <a:rPr lang="en-US" i="1" dirty="0" err="1"/>
-              <a:t>della</a:t>
-            </a:r>
-            <a:r>
-              <a:rPr lang="en-US" i="1" dirty="0"/>
-              <a:t> home.</a:t>
-            </a:r>
-          </a:p>
-          <a:p>
-            <a:endParaRPr lang="en-US" i="1" dirty="0"/>
-          </a:p>
-          <a:p>
-            <a:r>
-              <a:rPr lang="en-US" i="1" dirty="0"/>
-              <a:t>Ingredients </a:t>
-            </a:r>
-            <a:r>
-              <a:rPr lang="en-US" i="1" dirty="0" err="1"/>
-              <a:t>nel</a:t>
-            </a:r>
-            <a:r>
-              <a:rPr lang="en-US" i="1" dirty="0"/>
-              <a:t> key-value.</a:t>
-            </a:r>
-          </a:p>
-          <a:p>
-            <a:endParaRPr lang="en-US" i="1" dirty="0"/>
-          </a:p>
-          <a:p>
-            <a:endParaRPr lang="en-US" i="1" dirty="0"/>
-          </a:p>
-          <a:p>
-            <a:pPr marL="285750" indent="-285750">
-              <a:buFont typeface="Arial" panose="020B0604020202020204" pitchFamily="34" charset="0"/>
-              <a:buChar char="•"/>
-            </a:pPr>
-            <a:endParaRPr lang="en-US" i="1" dirty="0"/>
           </a:p>
         </p:txBody>
       </p:sp>
@@ -5257,7 +5242,7 @@
         <p:spPr>
           <a:xfrm>
             <a:off x="400050" y="1706176"/>
-            <a:ext cx="8343900" cy="2308324"/>
+            <a:ext cx="8343900" cy="4524315"/>
           </a:xfrm>
           <a:prstGeom prst="rect">
             <a:avLst/>
@@ -5308,12 +5293,54 @@
           </a:p>
           <a:p>
             <a:pPr marL="285750" indent="-285750">
+              <a:lnSpc>
+                <a:spcPct val="250000"/>
+              </a:lnSpc>
               <a:buFont typeface="Arial" panose="020B0604020202020204" pitchFamily="34" charset="0"/>
               <a:buChar char="•"/>
             </a:pPr>
             <a:r>
               <a:rPr lang="en-US" i="1" dirty="0"/>
-              <a:t>To suggest to a user other users depending on the current common friends.</a:t>
+              <a:t>New friend suggestions based on common friends.</a:t>
+            </a:r>
+          </a:p>
+          <a:p>
+            <a:pPr marL="285750" indent="-285750">
+              <a:lnSpc>
+                <a:spcPct val="250000"/>
+              </a:lnSpc>
+              <a:buFont typeface="Arial" panose="020B0604020202020204" pitchFamily="34" charset="0"/>
+              <a:buChar char="•"/>
+            </a:pPr>
+            <a:r>
+              <a:rPr lang="en-US" i="1" dirty="0"/>
+              <a:t>Suggesting most popular combinations of ingredients.</a:t>
+            </a:r>
+          </a:p>
+          <a:p>
+            <a:pPr marL="285750" indent="-285750">
+              <a:lnSpc>
+                <a:spcPct val="250000"/>
+              </a:lnSpc>
+              <a:buFont typeface="Arial" panose="020B0604020202020204" pitchFamily="34" charset="0"/>
+              <a:buChar char="•"/>
+            </a:pPr>
+            <a:r>
+              <a:rPr lang="en-US" i="1" dirty="0"/>
+              <a:t>Suggest new set of ingredients based on friends’ usage.</a:t>
+            </a:r>
+          </a:p>
+          <a:p>
+            <a:pPr marL="285750" indent="-285750">
+              <a:lnSpc>
+                <a:spcPct val="250000"/>
+              </a:lnSpc>
+              <a:buFont typeface="Arial" panose="020B0604020202020204" pitchFamily="34" charset="0"/>
+              <a:buChar char="•"/>
+            </a:pPr>
+            <a:r>
+              <a:rPr lang="en-US" i="1" dirty="0"/>
+              <a:t>Find the users that have used the greatest number of ingredients.</a:t>
             </a:r>
           </a:p>
           <a:p>
@@ -5321,17 +5348,14 @@
               <a:buFont typeface="Arial" panose="020B0604020202020204" pitchFamily="34" charset="0"/>
               <a:buChar char="•"/>
             </a:pPr>
-            <a:r>
-              <a:rPr lang="en-US" i="1" dirty="0"/>
-              <a:t>To suggest to a user other possible recipes based on the ingredients he/she used before.</a:t>
-            </a:r>
+            <a:endParaRPr lang="en-US" i="1" dirty="0"/>
           </a:p>
         </p:txBody>
       </p:sp>
     </p:spTree>
     <p:extLst>
       <p:ext uri="{BB962C8B-B14F-4D97-AF65-F5344CB8AC3E}">
-        <p14:creationId xmlns:p14="http://schemas.microsoft.com/office/powerpoint/2010/main" val="1127430590"/>
+        <p14:creationId xmlns:p14="http://schemas.microsoft.com/office/powerpoint/2010/main" val="1977945950"/>
       </p:ext>
     </p:extLst>
   </p:cSld>

--- a/Idea/PowerPoint/WeFood - Idea.pptx
+++ b/Idea/PowerPoint/WeFood - Idea.pptx
@@ -494,7 +494,7 @@
           <a:p>
             <a:fld id="{0EF95162-6873-F647-B392-BF6A1F606277}" type="datetimeFigureOut">
               <a:rPr lang="it-IT" smtClean="0"/>
-              <a:t>04/12/2023</a:t>
+              <a:t>05/12/2023</a:t>
             </a:fld>
             <a:endParaRPr lang="it-IT"/>
           </a:p>
@@ -948,7 +948,7 @@
           <a:p>
             <a:fld id="{2FDCBEE4-315A-8E42-835E-29A1DAE07625}" type="datetimeFigureOut">
               <a:rPr lang="it-IT" smtClean="0"/>
-              <a:t>04/12/2023</a:t>
+              <a:t>05/12/2023</a:t>
             </a:fld>
             <a:endParaRPr lang="it-IT"/>
           </a:p>
@@ -1140,7 +1140,7 @@
           <a:p>
             <a:fld id="{2FDCBEE4-315A-8E42-835E-29A1DAE07625}" type="datetimeFigureOut">
               <a:rPr lang="it-IT" smtClean="0"/>
-              <a:t>04/12/2023</a:t>
+              <a:t>05/12/2023</a:t>
             </a:fld>
             <a:endParaRPr lang="it-IT"/>
           </a:p>
@@ -1342,7 +1342,7 @@
           <a:p>
             <a:fld id="{2FDCBEE4-315A-8E42-835E-29A1DAE07625}" type="datetimeFigureOut">
               <a:rPr lang="it-IT" smtClean="0"/>
-              <a:t>04/12/2023</a:t>
+              <a:t>05/12/2023</a:t>
             </a:fld>
             <a:endParaRPr lang="it-IT"/>
           </a:p>
@@ -1534,7 +1534,7 @@
           <a:p>
             <a:fld id="{2FDCBEE4-315A-8E42-835E-29A1DAE07625}" type="datetimeFigureOut">
               <a:rPr lang="it-IT" smtClean="0"/>
-              <a:t>04/12/2023</a:t>
+              <a:t>05/12/2023</a:t>
             </a:fld>
             <a:endParaRPr lang="it-IT"/>
           </a:p>
@@ -1803,7 +1803,7 @@
           <a:p>
             <a:fld id="{2FDCBEE4-315A-8E42-835E-29A1DAE07625}" type="datetimeFigureOut">
               <a:rPr lang="it-IT" smtClean="0"/>
-              <a:t>04/12/2023</a:t>
+              <a:t>05/12/2023</a:t>
             </a:fld>
             <a:endParaRPr lang="it-IT"/>
           </a:p>
@@ -2112,7 +2112,7 @@
           <a:p>
             <a:fld id="{2FDCBEE4-315A-8E42-835E-29A1DAE07625}" type="datetimeFigureOut">
               <a:rPr lang="it-IT" smtClean="0"/>
-              <a:t>04/12/2023</a:t>
+              <a:t>05/12/2023</a:t>
             </a:fld>
             <a:endParaRPr lang="it-IT"/>
           </a:p>
@@ -2555,7 +2555,7 @@
           <a:p>
             <a:fld id="{2FDCBEE4-315A-8E42-835E-29A1DAE07625}" type="datetimeFigureOut">
               <a:rPr lang="it-IT" smtClean="0"/>
-              <a:t>04/12/2023</a:t>
+              <a:t>05/12/2023</a:t>
             </a:fld>
             <a:endParaRPr lang="it-IT"/>
           </a:p>
@@ -2696,7 +2696,7 @@
           <a:p>
             <a:fld id="{2FDCBEE4-315A-8E42-835E-29A1DAE07625}" type="datetimeFigureOut">
               <a:rPr lang="it-IT" smtClean="0"/>
-              <a:t>04/12/2023</a:t>
+              <a:t>05/12/2023</a:t>
             </a:fld>
             <a:endParaRPr lang="it-IT"/>
           </a:p>
@@ -2815,7 +2815,7 @@
           <a:p>
             <a:fld id="{2FDCBEE4-315A-8E42-835E-29A1DAE07625}" type="datetimeFigureOut">
               <a:rPr lang="it-IT" smtClean="0"/>
-              <a:t>04/12/2023</a:t>
+              <a:t>05/12/2023</a:t>
             </a:fld>
             <a:endParaRPr lang="it-IT"/>
           </a:p>
@@ -3114,7 +3114,7 @@
           <a:p>
             <a:fld id="{2FDCBEE4-315A-8E42-835E-29A1DAE07625}" type="datetimeFigureOut">
               <a:rPr lang="it-IT" smtClean="0"/>
-              <a:t>04/12/2023</a:t>
+              <a:t>05/12/2023</a:t>
             </a:fld>
             <a:endParaRPr lang="it-IT"/>
           </a:p>
@@ -3390,7 +3390,7 @@
           <a:p>
             <a:fld id="{2FDCBEE4-315A-8E42-835E-29A1DAE07625}" type="datetimeFigureOut">
               <a:rPr lang="it-IT" smtClean="0"/>
-              <a:t>04/12/2023</a:t>
+              <a:t>05/12/2023</a:t>
             </a:fld>
             <a:endParaRPr lang="it-IT"/>
           </a:p>
@@ -4741,10 +4741,10 @@
       </p:sp>
       <p:pic>
         <p:nvPicPr>
-          <p:cNvPr id="5" name="Immagine 4" descr="Immagine che contiene diagramma, schermata, Piano, Rettangolo&#10;&#10;Descrizione generata automaticamente">
+          <p:cNvPr id="4" name="Immagine 3" descr="Immagine che contiene diagramma, Piano, Disegno tecnico, schematico&#10;&#10;Descrizione generata automaticamente">
             <a:extLst>
               <a:ext uri="{FF2B5EF4-FFF2-40B4-BE49-F238E27FC236}">
-                <a16:creationId xmlns:a16="http://schemas.microsoft.com/office/drawing/2014/main" id="{F7E0E792-0662-D991-4A67-CB1D02DD6982}"/>
+                <a16:creationId xmlns:a16="http://schemas.microsoft.com/office/drawing/2014/main" id="{5733305E-31EA-9962-8173-E2CE887CFAF3}"/>
               </a:ext>
             </a:extLst>
           </p:cNvPr>
@@ -4761,8 +4761,8 @@
         </p:blipFill>
         <p:spPr>
           <a:xfrm>
-            <a:off x="1625042" y="1189117"/>
-            <a:ext cx="5893916" cy="4707777"/>
+            <a:off x="1727488" y="1130705"/>
+            <a:ext cx="5689025" cy="4829973"/>
           </a:xfrm>
           <a:prstGeom prst="rect">
             <a:avLst/>
@@ -5241,7 +5241,7 @@
         </p:nvSpPr>
         <p:spPr>
           <a:xfrm>
-            <a:off x="400050" y="1706176"/>
+            <a:off x="400050" y="1654420"/>
             <a:ext cx="8343900" cy="4524315"/>
           </a:xfrm>
           <a:prstGeom prst="rect">
@@ -5294,7 +5294,7 @@
           <a:p>
             <a:pPr marL="285750" indent="-285750">
               <a:lnSpc>
-                <a:spcPct val="250000"/>
+                <a:spcPct val="200000"/>
               </a:lnSpc>
               <a:buFont typeface="Arial" panose="020B0604020202020204" pitchFamily="34" charset="0"/>
               <a:buChar char="•"/>
@@ -5307,7 +5307,7 @@
           <a:p>
             <a:pPr marL="285750" indent="-285750">
               <a:lnSpc>
-                <a:spcPct val="250000"/>
+                <a:spcPct val="200000"/>
               </a:lnSpc>
               <a:buFont typeface="Arial" panose="020B0604020202020204" pitchFamily="34" charset="0"/>
               <a:buChar char="•"/>
@@ -5320,7 +5320,7 @@
           <a:p>
             <a:pPr marL="285750" indent="-285750">
               <a:lnSpc>
-                <a:spcPct val="250000"/>
+                <a:spcPct val="200000"/>
               </a:lnSpc>
               <a:buFont typeface="Arial" panose="020B0604020202020204" pitchFamily="34" charset="0"/>
               <a:buChar char="•"/>
@@ -5333,7 +5333,7 @@
           <a:p>
             <a:pPr marL="285750" indent="-285750">
               <a:lnSpc>
-                <a:spcPct val="250000"/>
+                <a:spcPct val="200000"/>
               </a:lnSpc>
               <a:buFont typeface="Arial" panose="020B0604020202020204" pitchFamily="34" charset="0"/>
               <a:buChar char="•"/>
@@ -5341,6 +5341,19 @@
             <a:r>
               <a:rPr lang="en-US" i="1" dirty="0"/>
               <a:t>Find the users that have used the greatest number of ingredients.</a:t>
+            </a:r>
+          </a:p>
+          <a:p>
+            <a:pPr marL="285750" indent="-285750">
+              <a:lnSpc>
+                <a:spcPct val="200000"/>
+              </a:lnSpc>
+              <a:buFont typeface="Arial" panose="020B0604020202020204" pitchFamily="34" charset="0"/>
+              <a:buChar char="•"/>
+            </a:pPr>
+            <a:r>
+              <a:rPr lang="en-US" i="1" dirty="0"/>
+              <a:t>Retrieve influencers (most followed users).</a:t>
             </a:r>
           </a:p>
           <a:p>

--- a/Idea/PowerPoint/WeFood - Idea.pptx
+++ b/Idea/PowerPoint/WeFood - Idea.pptx
@@ -494,7 +494,7 @@
           <a:p>
             <a:fld id="{0EF95162-6873-F647-B392-BF6A1F606277}" type="datetimeFigureOut">
               <a:rPr lang="it-IT" smtClean="0"/>
-              <a:t>05/12/2023</a:t>
+              <a:t>06/12/2023</a:t>
             </a:fld>
             <a:endParaRPr lang="it-IT"/>
           </a:p>
@@ -948,7 +948,7 @@
           <a:p>
             <a:fld id="{2FDCBEE4-315A-8E42-835E-29A1DAE07625}" type="datetimeFigureOut">
               <a:rPr lang="it-IT" smtClean="0"/>
-              <a:t>05/12/2023</a:t>
+              <a:t>06/12/2023</a:t>
             </a:fld>
             <a:endParaRPr lang="it-IT"/>
           </a:p>
@@ -1140,7 +1140,7 @@
           <a:p>
             <a:fld id="{2FDCBEE4-315A-8E42-835E-29A1DAE07625}" type="datetimeFigureOut">
               <a:rPr lang="it-IT" smtClean="0"/>
-              <a:t>05/12/2023</a:t>
+              <a:t>06/12/2023</a:t>
             </a:fld>
             <a:endParaRPr lang="it-IT"/>
           </a:p>
@@ -1342,7 +1342,7 @@
           <a:p>
             <a:fld id="{2FDCBEE4-315A-8E42-835E-29A1DAE07625}" type="datetimeFigureOut">
               <a:rPr lang="it-IT" smtClean="0"/>
-              <a:t>05/12/2023</a:t>
+              <a:t>06/12/2023</a:t>
             </a:fld>
             <a:endParaRPr lang="it-IT"/>
           </a:p>
@@ -1534,7 +1534,7 @@
           <a:p>
             <a:fld id="{2FDCBEE4-315A-8E42-835E-29A1DAE07625}" type="datetimeFigureOut">
               <a:rPr lang="it-IT" smtClean="0"/>
-              <a:t>05/12/2023</a:t>
+              <a:t>06/12/2023</a:t>
             </a:fld>
             <a:endParaRPr lang="it-IT"/>
           </a:p>
@@ -1803,7 +1803,7 @@
           <a:p>
             <a:fld id="{2FDCBEE4-315A-8E42-835E-29A1DAE07625}" type="datetimeFigureOut">
               <a:rPr lang="it-IT" smtClean="0"/>
-              <a:t>05/12/2023</a:t>
+              <a:t>06/12/2023</a:t>
             </a:fld>
             <a:endParaRPr lang="it-IT"/>
           </a:p>
@@ -2112,7 +2112,7 @@
           <a:p>
             <a:fld id="{2FDCBEE4-315A-8E42-835E-29A1DAE07625}" type="datetimeFigureOut">
               <a:rPr lang="it-IT" smtClean="0"/>
-              <a:t>05/12/2023</a:t>
+              <a:t>06/12/2023</a:t>
             </a:fld>
             <a:endParaRPr lang="it-IT"/>
           </a:p>
@@ -2555,7 +2555,7 @@
           <a:p>
             <a:fld id="{2FDCBEE4-315A-8E42-835E-29A1DAE07625}" type="datetimeFigureOut">
               <a:rPr lang="it-IT" smtClean="0"/>
-              <a:t>05/12/2023</a:t>
+              <a:t>06/12/2023</a:t>
             </a:fld>
             <a:endParaRPr lang="it-IT"/>
           </a:p>
@@ -2696,7 +2696,7 @@
           <a:p>
             <a:fld id="{2FDCBEE4-315A-8E42-835E-29A1DAE07625}" type="datetimeFigureOut">
               <a:rPr lang="it-IT" smtClean="0"/>
-              <a:t>05/12/2023</a:t>
+              <a:t>06/12/2023</a:t>
             </a:fld>
             <a:endParaRPr lang="it-IT"/>
           </a:p>
@@ -2815,7 +2815,7 @@
           <a:p>
             <a:fld id="{2FDCBEE4-315A-8E42-835E-29A1DAE07625}" type="datetimeFigureOut">
               <a:rPr lang="it-IT" smtClean="0"/>
-              <a:t>05/12/2023</a:t>
+              <a:t>06/12/2023</a:t>
             </a:fld>
             <a:endParaRPr lang="it-IT"/>
           </a:p>
@@ -3114,7 +3114,7 @@
           <a:p>
             <a:fld id="{2FDCBEE4-315A-8E42-835E-29A1DAE07625}" type="datetimeFigureOut">
               <a:rPr lang="it-IT" smtClean="0"/>
-              <a:t>05/12/2023</a:t>
+              <a:t>06/12/2023</a:t>
             </a:fld>
             <a:endParaRPr lang="it-IT"/>
           </a:p>
@@ -3390,7 +3390,7 @@
           <a:p>
             <a:fld id="{2FDCBEE4-315A-8E42-835E-29A1DAE07625}" type="datetimeFigureOut">
               <a:rPr lang="it-IT" smtClean="0"/>
-              <a:t>05/12/2023</a:t>
+              <a:t>06/12/2023</a:t>
             </a:fld>
             <a:endParaRPr lang="it-IT"/>
           </a:p>
@@ -5039,7 +5039,7 @@
             </a:pPr>
             <a:r>
               <a:rPr lang="en-US" i="1" dirty="0"/>
-              <a:t>Allow users to look for new recipes filtering the ingredients.</a:t>
+              <a:t>Allow users to look for new recipes filtering by the ingredients.</a:t>
             </a:r>
           </a:p>
           <a:p>
@@ -5067,7 +5067,7 @@
             </a:pPr>
             <a:r>
               <a:rPr lang="en-US" i="1" dirty="0"/>
-              <a:t>Find users filtering with different settings defined by the admin.</a:t>
+              <a:t>Find users filtering by different settings defined by the admin.</a:t>
             </a:r>
           </a:p>
           <a:p>

--- a/Idea/PowerPoint/WeFood - Idea.pptx
+++ b/Idea/PowerPoint/WeFood - Idea.pptx
@@ -132,6 +132,12 @@
     </p:ext>
   </p:extLst>
 </p:presentation>
+</file>
+
+<file path=ppt/authors.xml><?xml version="1.0" encoding="utf-8"?>
+<p188:authorLst xmlns:a="http://schemas.openxmlformats.org/drawingml/2006/main" xmlns:r="http://schemas.openxmlformats.org/officeDocument/2006/relationships" xmlns:p188="http://schemas.microsoft.com/office/powerpoint/2018/8/main">
+  <p188:author id="{DAD76F6F-022A-D6A4-1A59-E48DADCD34D9}" name="Giovanni Ligato" initials="GL" userId="S::g.ligato@studenti.unipi.it::90e7272d-0971-494a-8475-1571944bce44" providerId="AD"/>
+</p188:authorLst>
 </file>
 
 <file path=ppt/revisionInfo.xml><?xml version="1.0" encoding="utf-8"?>
@@ -410,6 +416,27 @@
     </pc:docChg>
   </pc:docChgLst>
 </pc:chgInfo>
+</file>
+
+<file path=ppt/comments/modernComment_109_4538CDB2.xml><?xml version="1.0" encoding="utf-8"?>
+<p188:cmLst xmlns:a="http://schemas.openxmlformats.org/drawingml/2006/main" xmlns:r="http://schemas.openxmlformats.org/officeDocument/2006/relationships" xmlns:p188="http://schemas.microsoft.com/office/powerpoint/2018/8/main">
+  <p188:cm id="{0CE06811-1EA5-40F3-B9D2-860023743AA8}" authorId="{DAD76F6F-022A-D6A4-1A59-E48DADCD34D9}" created="2023-12-06T12:34:30.612">
+    <pc:sldMkLst xmlns:pc="http://schemas.microsoft.com/office/powerpoint/2013/main/command">
+      <pc:docMk/>
+      <pc:sldMk cId="1161350578" sldId="265"/>
+    </pc:sldMkLst>
+    <p188:txBody>
+      <a:bodyPr/>
+      <a:lstStyle/>
+      <a:p>
+        <a:r>
+          <a:rPr lang="it-IT"/>
+          <a:t>Rimuovere la prima Query sennò bisogna modificare la struttura del graph DB.</a:t>
+        </a:r>
+      </a:p>
+    </p188:txBody>
+  </p188:cm>
+</p188:cmLst>
 </file>
 
 <file path=ppt/notesMasters/notesMaster1.xml><?xml version="1.0" encoding="utf-8"?>
@@ -5103,6 +5130,11 @@
   <p:clrMapOvr>
     <a:masterClrMapping/>
   </p:clrMapOvr>
+  <p:extLst>
+    <p:ext uri="{6950BFC3-D8DA-4A85-94F7-54DA5524770B}">
+      <p188:commentRel xmlns:p188="http://schemas.microsoft.com/office/powerpoint/2018/8/main" r:id="rId2"/>
+    </p:ext>
+  </p:extLst>
 </p:sld>
 </file>
 

--- a/Idea/PowerPoint/WeFood - Idea.pptx
+++ b/Idea/PowerPoint/WeFood - Idea.pptx
@@ -418,27 +418,6 @@
 </pc:chgInfo>
 </file>
 
-<file path=ppt/comments/modernComment_109_4538CDB2.xml><?xml version="1.0" encoding="utf-8"?>
-<p188:cmLst xmlns:a="http://schemas.openxmlformats.org/drawingml/2006/main" xmlns:r="http://schemas.openxmlformats.org/officeDocument/2006/relationships" xmlns:p188="http://schemas.microsoft.com/office/powerpoint/2018/8/main">
-  <p188:cm id="{0CE06811-1EA5-40F3-B9D2-860023743AA8}" authorId="{DAD76F6F-022A-D6A4-1A59-E48DADCD34D9}" created="2023-12-06T12:34:30.612">
-    <pc:sldMkLst xmlns:pc="http://schemas.microsoft.com/office/powerpoint/2013/main/command">
-      <pc:docMk/>
-      <pc:sldMk cId="1161350578" sldId="265"/>
-    </pc:sldMkLst>
-    <p188:txBody>
-      <a:bodyPr/>
-      <a:lstStyle/>
-      <a:p>
-        <a:r>
-          <a:rPr lang="it-IT"/>
-          <a:t>Rimuovere la prima Query sennò bisogna modificare la struttura del graph DB.</a:t>
-        </a:r>
-      </a:p>
-    </p188:txBody>
-  </p188:cm>
-</p188:cmLst>
-</file>
-
 <file path=ppt/notesMasters/notesMaster1.xml><?xml version="1.0" encoding="utf-8"?>
 <p:notesMaster xmlns:a="http://schemas.openxmlformats.org/drawingml/2006/main" xmlns:r="http://schemas.openxmlformats.org/officeDocument/2006/relationships" xmlns:p="http://schemas.openxmlformats.org/presentationml/2006/main">
   <p:cSld>
@@ -521,7 +500,7 @@
           <a:p>
             <a:fld id="{0EF95162-6873-F647-B392-BF6A1F606277}" type="datetimeFigureOut">
               <a:rPr lang="it-IT" smtClean="0"/>
-              <a:t>06/12/2023</a:t>
+              <a:t>07/12/2023</a:t>
             </a:fld>
             <a:endParaRPr lang="it-IT"/>
           </a:p>
@@ -975,7 +954,7 @@
           <a:p>
             <a:fld id="{2FDCBEE4-315A-8E42-835E-29A1DAE07625}" type="datetimeFigureOut">
               <a:rPr lang="it-IT" smtClean="0"/>
-              <a:t>06/12/2023</a:t>
+              <a:t>07/12/2023</a:t>
             </a:fld>
             <a:endParaRPr lang="it-IT"/>
           </a:p>
@@ -1167,7 +1146,7 @@
           <a:p>
             <a:fld id="{2FDCBEE4-315A-8E42-835E-29A1DAE07625}" type="datetimeFigureOut">
               <a:rPr lang="it-IT" smtClean="0"/>
-              <a:t>06/12/2023</a:t>
+              <a:t>07/12/2023</a:t>
             </a:fld>
             <a:endParaRPr lang="it-IT"/>
           </a:p>
@@ -1369,7 +1348,7 @@
           <a:p>
             <a:fld id="{2FDCBEE4-315A-8E42-835E-29A1DAE07625}" type="datetimeFigureOut">
               <a:rPr lang="it-IT" smtClean="0"/>
-              <a:t>06/12/2023</a:t>
+              <a:t>07/12/2023</a:t>
             </a:fld>
             <a:endParaRPr lang="it-IT"/>
           </a:p>
@@ -1561,7 +1540,7 @@
           <a:p>
             <a:fld id="{2FDCBEE4-315A-8E42-835E-29A1DAE07625}" type="datetimeFigureOut">
               <a:rPr lang="it-IT" smtClean="0"/>
-              <a:t>06/12/2023</a:t>
+              <a:t>07/12/2023</a:t>
             </a:fld>
             <a:endParaRPr lang="it-IT"/>
           </a:p>
@@ -1830,7 +1809,7 @@
           <a:p>
             <a:fld id="{2FDCBEE4-315A-8E42-835E-29A1DAE07625}" type="datetimeFigureOut">
               <a:rPr lang="it-IT" smtClean="0"/>
-              <a:t>06/12/2023</a:t>
+              <a:t>07/12/2023</a:t>
             </a:fld>
             <a:endParaRPr lang="it-IT"/>
           </a:p>
@@ -2139,7 +2118,7 @@
           <a:p>
             <a:fld id="{2FDCBEE4-315A-8E42-835E-29A1DAE07625}" type="datetimeFigureOut">
               <a:rPr lang="it-IT" smtClean="0"/>
-              <a:t>06/12/2023</a:t>
+              <a:t>07/12/2023</a:t>
             </a:fld>
             <a:endParaRPr lang="it-IT"/>
           </a:p>
@@ -2582,7 +2561,7 @@
           <a:p>
             <a:fld id="{2FDCBEE4-315A-8E42-835E-29A1DAE07625}" type="datetimeFigureOut">
               <a:rPr lang="it-IT" smtClean="0"/>
-              <a:t>06/12/2023</a:t>
+              <a:t>07/12/2023</a:t>
             </a:fld>
             <a:endParaRPr lang="it-IT"/>
           </a:p>
@@ -2723,7 +2702,7 @@
           <a:p>
             <a:fld id="{2FDCBEE4-315A-8E42-835E-29A1DAE07625}" type="datetimeFigureOut">
               <a:rPr lang="it-IT" smtClean="0"/>
-              <a:t>06/12/2023</a:t>
+              <a:t>07/12/2023</a:t>
             </a:fld>
             <a:endParaRPr lang="it-IT"/>
           </a:p>
@@ -2842,7 +2821,7 @@
           <a:p>
             <a:fld id="{2FDCBEE4-315A-8E42-835E-29A1DAE07625}" type="datetimeFigureOut">
               <a:rPr lang="it-IT" smtClean="0"/>
-              <a:t>06/12/2023</a:t>
+              <a:t>07/12/2023</a:t>
             </a:fld>
             <a:endParaRPr lang="it-IT"/>
           </a:p>
@@ -3141,7 +3120,7 @@
           <a:p>
             <a:fld id="{2FDCBEE4-315A-8E42-835E-29A1DAE07625}" type="datetimeFigureOut">
               <a:rPr lang="it-IT" smtClean="0"/>
-              <a:t>06/12/2023</a:t>
+              <a:t>07/12/2023</a:t>
             </a:fld>
             <a:endParaRPr lang="it-IT"/>
           </a:p>
@@ -3417,7 +3396,7 @@
           <a:p>
             <a:fld id="{2FDCBEE4-315A-8E42-835E-29A1DAE07625}" type="datetimeFigureOut">
               <a:rPr lang="it-IT" smtClean="0"/>
-              <a:t>06/12/2023</a:t>
+              <a:t>07/12/2023</a:t>
             </a:fld>
             <a:endParaRPr lang="it-IT"/>
           </a:p>
@@ -4980,7 +4959,7 @@
         <p:spPr>
           <a:xfrm>
             <a:off x="2639683" y="1226331"/>
-            <a:ext cx="5940100" cy="6001643"/>
+            <a:ext cx="5940100" cy="4832092"/>
           </a:xfrm>
           <a:prstGeom prst="rect">
             <a:avLst/>
@@ -5002,6 +4981,7 @@
               <a:rPr lang="en-US" i="1" dirty="0"/>
               <a:t>Requirements:</a:t>
             </a:r>
+            <a:endParaRPr lang="en-US" sz="400" i="1" dirty="0"/>
           </a:p>
           <a:p>
             <a:pPr marL="285750" indent="-285750" algn="just">
@@ -5010,7 +4990,7 @@
             </a:pPr>
             <a:r>
               <a:rPr lang="en-US" i="1" dirty="0"/>
-              <a:t>Analyze most/less active users on the Social Network based on how many posts they made recently (e.g. in the last 48 hours).</a:t>
+              <a:t>Analyze best posts (recipes) based on the average star ranking, given a specific set of ingredients.</a:t>
             </a:r>
           </a:p>
           <a:p>
@@ -5024,7 +5004,7 @@
             </a:pPr>
             <a:r>
               <a:rPr lang="en-US" i="1" dirty="0"/>
-              <a:t>Analyze best posts (recipes) based on the average star ranking, given a specific set of ingredients.</a:t>
+              <a:t>Discover recipes with the lowest/highest calorie content while featuring the greatest variety of ingredients.</a:t>
             </a:r>
           </a:p>
           <a:p>
@@ -5038,7 +5018,7 @@
             </a:pPr>
             <a:r>
               <a:rPr lang="en-US" i="1" dirty="0"/>
-              <a:t>Discover recipes with the lowest/highest calorie content while featuring the greatest variety of ingredients.</a:t>
+              <a:t>Average amount of grams of ingredients used in equal set of ingredients.</a:t>
             </a:r>
           </a:p>
           <a:p>
@@ -5052,7 +5032,7 @@
             </a:pPr>
             <a:r>
               <a:rPr lang="en-US" i="1" dirty="0"/>
-              <a:t>Average amount of grams of ingredients used in equal set of ingredients.</a:t>
+              <a:t>Allow users to look for new recipes filtering by the ingredients.</a:t>
             </a:r>
           </a:p>
           <a:p>
@@ -5066,7 +5046,7 @@
             </a:pPr>
             <a:r>
               <a:rPr lang="en-US" i="1" dirty="0"/>
-              <a:t>Allow users to look for new recipes filtering by the ingredients.</a:t>
+              <a:t>Find top users based on their number of actions (ranking or comments) on other users’ posts.</a:t>
             </a:r>
           </a:p>
           <a:p>
@@ -5080,29 +5060,8 @@
             </a:pPr>
             <a:r>
               <a:rPr lang="en-US" i="1" dirty="0"/>
-              <a:t>Find top users based on their number of actions (ranking or comments) on other users’ posts.</a:t>
-            </a:r>
-          </a:p>
-          <a:p>
-            <a:pPr algn="just"/>
-            <a:endParaRPr lang="en-US" sz="400" i="1" dirty="0"/>
-          </a:p>
-          <a:p>
-            <a:pPr marL="285750" indent="-285750" algn="just">
-              <a:buFont typeface="Arial" panose="020B0604020202020204" pitchFamily="34" charset="0"/>
-              <a:buChar char="•"/>
-            </a:pPr>
-            <a:r>
-              <a:rPr lang="en-US" i="1" dirty="0"/>
               <a:t>Find users filtering by different settings defined by the admin.</a:t>
             </a:r>
-          </a:p>
-          <a:p>
-            <a:pPr marL="285750" indent="-285750" algn="just">
-              <a:buFont typeface="Arial" panose="020B0604020202020204" pitchFamily="34" charset="0"/>
-              <a:buChar char="•"/>
-            </a:pPr>
-            <a:endParaRPr lang="en-US" i="1" dirty="0"/>
           </a:p>
           <a:p>
             <a:pPr marL="285750" indent="-285750" algn="just">
@@ -5130,11 +5089,6 @@
   <p:clrMapOvr>
     <a:masterClrMapping/>
   </p:clrMapOvr>
-  <p:extLst>
-    <p:ext uri="{6950BFC3-D8DA-4A85-94F7-54DA5524770B}">
-      <p188:commentRel xmlns:p188="http://schemas.microsoft.com/office/powerpoint/2018/8/main" r:id="rId2"/>
-    </p:ext>
-  </p:extLst>
 </p:sld>
 </file>
 

--- a/Idea/PowerPoint/WeFood - Idea.pptx
+++ b/Idea/PowerPoint/WeFood - Idea.pptx
@@ -500,7 +500,7 @@
           <a:p>
             <a:fld id="{0EF95162-6873-F647-B392-BF6A1F606277}" type="datetimeFigureOut">
               <a:rPr lang="it-IT" smtClean="0"/>
-              <a:t>07/12/2023</a:t>
+              <a:t>14/12/2023</a:t>
             </a:fld>
             <a:endParaRPr lang="it-IT"/>
           </a:p>
@@ -954,7 +954,7 @@
           <a:p>
             <a:fld id="{2FDCBEE4-315A-8E42-835E-29A1DAE07625}" type="datetimeFigureOut">
               <a:rPr lang="it-IT" smtClean="0"/>
-              <a:t>07/12/2023</a:t>
+              <a:t>14/12/2023</a:t>
             </a:fld>
             <a:endParaRPr lang="it-IT"/>
           </a:p>
@@ -1146,7 +1146,7 @@
           <a:p>
             <a:fld id="{2FDCBEE4-315A-8E42-835E-29A1DAE07625}" type="datetimeFigureOut">
               <a:rPr lang="it-IT" smtClean="0"/>
-              <a:t>07/12/2023</a:t>
+              <a:t>14/12/2023</a:t>
             </a:fld>
             <a:endParaRPr lang="it-IT"/>
           </a:p>
@@ -1348,7 +1348,7 @@
           <a:p>
             <a:fld id="{2FDCBEE4-315A-8E42-835E-29A1DAE07625}" type="datetimeFigureOut">
               <a:rPr lang="it-IT" smtClean="0"/>
-              <a:t>07/12/2023</a:t>
+              <a:t>14/12/2023</a:t>
             </a:fld>
             <a:endParaRPr lang="it-IT"/>
           </a:p>
@@ -1540,7 +1540,7 @@
           <a:p>
             <a:fld id="{2FDCBEE4-315A-8E42-835E-29A1DAE07625}" type="datetimeFigureOut">
               <a:rPr lang="it-IT" smtClean="0"/>
-              <a:t>07/12/2023</a:t>
+              <a:t>14/12/2023</a:t>
             </a:fld>
             <a:endParaRPr lang="it-IT"/>
           </a:p>
@@ -1809,7 +1809,7 @@
           <a:p>
             <a:fld id="{2FDCBEE4-315A-8E42-835E-29A1DAE07625}" type="datetimeFigureOut">
               <a:rPr lang="it-IT" smtClean="0"/>
-              <a:t>07/12/2023</a:t>
+              <a:t>14/12/2023</a:t>
             </a:fld>
             <a:endParaRPr lang="it-IT"/>
           </a:p>
@@ -2118,7 +2118,7 @@
           <a:p>
             <a:fld id="{2FDCBEE4-315A-8E42-835E-29A1DAE07625}" type="datetimeFigureOut">
               <a:rPr lang="it-IT" smtClean="0"/>
-              <a:t>07/12/2023</a:t>
+              <a:t>14/12/2023</a:t>
             </a:fld>
             <a:endParaRPr lang="it-IT"/>
           </a:p>
@@ -2561,7 +2561,7 @@
           <a:p>
             <a:fld id="{2FDCBEE4-315A-8E42-835E-29A1DAE07625}" type="datetimeFigureOut">
               <a:rPr lang="it-IT" smtClean="0"/>
-              <a:t>07/12/2023</a:t>
+              <a:t>14/12/2023</a:t>
             </a:fld>
             <a:endParaRPr lang="it-IT"/>
           </a:p>
@@ -2702,7 +2702,7 @@
           <a:p>
             <a:fld id="{2FDCBEE4-315A-8E42-835E-29A1DAE07625}" type="datetimeFigureOut">
               <a:rPr lang="it-IT" smtClean="0"/>
-              <a:t>07/12/2023</a:t>
+              <a:t>14/12/2023</a:t>
             </a:fld>
             <a:endParaRPr lang="it-IT"/>
           </a:p>
@@ -2821,7 +2821,7 @@
           <a:p>
             <a:fld id="{2FDCBEE4-315A-8E42-835E-29A1DAE07625}" type="datetimeFigureOut">
               <a:rPr lang="it-IT" smtClean="0"/>
-              <a:t>07/12/2023</a:t>
+              <a:t>14/12/2023</a:t>
             </a:fld>
             <a:endParaRPr lang="it-IT"/>
           </a:p>
@@ -3120,7 +3120,7 @@
           <a:p>
             <a:fld id="{2FDCBEE4-315A-8E42-835E-29A1DAE07625}" type="datetimeFigureOut">
               <a:rPr lang="it-IT" smtClean="0"/>
-              <a:t>07/12/2023</a:t>
+              <a:t>14/12/2023</a:t>
             </a:fld>
             <a:endParaRPr lang="it-IT"/>
           </a:p>
@@ -3396,7 +3396,7 @@
           <a:p>
             <a:fld id="{2FDCBEE4-315A-8E42-835E-29A1DAE07625}" type="datetimeFigureOut">
               <a:rPr lang="it-IT" smtClean="0"/>
-              <a:t>07/12/2023</a:t>
+              <a:t>14/12/2023</a:t>
             </a:fld>
             <a:endParaRPr lang="it-IT"/>
           </a:p>
